--- a/PPT.pptx
+++ b/PPT.pptx
@@ -12,10 +12,12 @@
     <p:sldId id="271" r:id="rId6"/>
     <p:sldId id="260" r:id="rId7"/>
     <p:sldId id="261" r:id="rId8"/>
-    <p:sldId id="264" r:id="rId9"/>
-    <p:sldId id="272" r:id="rId10"/>
-    <p:sldId id="265" r:id="rId11"/>
-    <p:sldId id="273" r:id="rId12"/>
+    <p:sldId id="275" r:id="rId9"/>
+    <p:sldId id="274" r:id="rId10"/>
+    <p:sldId id="264" r:id="rId11"/>
+    <p:sldId id="272" r:id="rId12"/>
+    <p:sldId id="265" r:id="rId13"/>
+    <p:sldId id="273" r:id="rId14"/>
   </p:sldIdLst>
   <p:sldSz cx="12192000" cy="6858000"/>
   <p:notesSz cx="6858000" cy="9144000"/>
@@ -126,6 +128,8 @@
             <p14:sldId id="271"/>
             <p14:sldId id="260"/>
             <p14:sldId id="261"/>
+            <p14:sldId id="275"/>
+            <p14:sldId id="274"/>
             <p14:sldId id="264"/>
             <p14:sldId id="272"/>
             <p14:sldId id="265"/>
@@ -3530,6 +3534,225 @@
           <p:cNvPr id="2" name="Title 1">
             <a:extLst>
               <a:ext uri="{FF2B5EF4-FFF2-40B4-BE49-F238E27FC236}">
+                <a16:creationId xmlns:a16="http://schemas.microsoft.com/office/drawing/2014/main" id="{80A9DAE7-CD1F-F592-D9BB-536AD2DC0A0B}"/>
+              </a:ext>
+            </a:extLst>
+          </p:cNvPr>
+          <p:cNvSpPr>
+            <a:spLocks noGrp="1"/>
+          </p:cNvSpPr>
+          <p:nvPr>
+            <p:ph type="title"/>
+          </p:nvPr>
+        </p:nvSpPr>
+        <p:spPr/>
+        <p:txBody>
+          <a:bodyPr/>
+          <a:lstStyle/>
+          <a:p>
+            <a:r>
+              <a:rPr lang="en-IN" dirty="0"/>
+              <a:t>JIRA </a:t>
+            </a:r>
+          </a:p>
+        </p:txBody>
+      </p:sp>
+      <p:sp>
+        <p:nvSpPr>
+          <p:cNvPr id="3" name="Content Placeholder 2">
+            <a:extLst>
+              <a:ext uri="{FF2B5EF4-FFF2-40B4-BE49-F238E27FC236}">
+                <a16:creationId xmlns:a16="http://schemas.microsoft.com/office/drawing/2014/main" id="{7AC4AEB8-73A2-B160-6074-82F1157E30A4}"/>
+              </a:ext>
+            </a:extLst>
+          </p:cNvPr>
+          <p:cNvSpPr>
+            <a:spLocks noGrp="1"/>
+          </p:cNvSpPr>
+          <p:nvPr>
+            <p:ph idx="1"/>
+          </p:nvPr>
+        </p:nvSpPr>
+        <p:spPr>
+          <a:xfrm>
+            <a:off x="838200" y="1612490"/>
+            <a:ext cx="10515600" cy="4564473"/>
+          </a:xfrm>
+        </p:spPr>
+        <p:txBody>
+          <a:bodyPr>
+            <a:normAutofit/>
+          </a:bodyPr>
+          <a:lstStyle/>
+          <a:p>
+            <a:pPr marL="0" indent="0">
+              <a:buNone/>
+            </a:pPr>
+            <a:r>
+              <a:rPr lang="en-US" dirty="0"/>
+              <a:t>Test Case Management</a:t>
+            </a:r>
+          </a:p>
+          <a:p>
+            <a:r>
+              <a:rPr lang="en-US" dirty="0"/>
+              <a:t>User Stories: Created for each module with acceptance criteria</a:t>
+            </a:r>
+          </a:p>
+          <a:p>
+            <a:r>
+              <a:rPr lang="en-US" dirty="0"/>
+              <a:t>Test Cases: Linked to JIRA tasks with traceability</a:t>
+            </a:r>
+          </a:p>
+          <a:p>
+            <a:r>
+              <a:rPr lang="en-US" dirty="0"/>
+              <a:t>Bug Reports: Automatic creation with screenshots and logs</a:t>
+            </a:r>
+          </a:p>
+          <a:p>
+            <a:r>
+              <a:rPr lang="en-US" dirty="0"/>
+              <a:t>Requirements: Tracked and managed throughout SDLC</a:t>
+            </a:r>
+          </a:p>
+        </p:txBody>
+      </p:sp>
+    </p:spTree>
+    <p:extLst>
+      <p:ext uri="{BB962C8B-B14F-4D97-AF65-F5344CB8AC3E}">
+        <p14:creationId xmlns:p14="http://schemas.microsoft.com/office/powerpoint/2010/main" val="3849221567"/>
+      </p:ext>
+    </p:extLst>
+  </p:cSld>
+  <p:clrMapOvr>
+    <a:masterClrMapping/>
+  </p:clrMapOvr>
+</p:sld>
+</file>
+
+<file path=ppt/slides/slide11.xml><?xml version="1.0" encoding="utf-8"?>
+<p:sld xmlns:a="http://schemas.openxmlformats.org/drawingml/2006/main" xmlns:r="http://schemas.openxmlformats.org/officeDocument/2006/relationships" xmlns:p="http://schemas.openxmlformats.org/presentationml/2006/main">
+  <p:cSld>
+    <p:spTree>
+      <p:nvGrpSpPr>
+        <p:cNvPr id="1" name="">
+          <a:extLst>
+            <a:ext uri="{FF2B5EF4-FFF2-40B4-BE49-F238E27FC236}">
+              <a16:creationId xmlns:a16="http://schemas.microsoft.com/office/drawing/2014/main" id="{27FA6ED4-B093-AD9B-605F-3C6697E6E30A}"/>
+            </a:ext>
+          </a:extLst>
+        </p:cNvPr>
+        <p:cNvGrpSpPr/>
+        <p:nvPr/>
+      </p:nvGrpSpPr>
+      <p:grpSpPr>
+        <a:xfrm>
+          <a:off x="0" y="0"/>
+          <a:ext cx="0" cy="0"/>
+          <a:chOff x="0" y="0"/>
+          <a:chExt cx="0" cy="0"/>
+        </a:xfrm>
+      </p:grpSpPr>
+      <p:sp>
+        <p:nvSpPr>
+          <p:cNvPr id="2" name="Title 1">
+            <a:extLst>
+              <a:ext uri="{FF2B5EF4-FFF2-40B4-BE49-F238E27FC236}">
+                <a16:creationId xmlns:a16="http://schemas.microsoft.com/office/drawing/2014/main" id="{98E0AFB4-7E99-66C6-7017-2AEE61D2BCEE}"/>
+              </a:ext>
+            </a:extLst>
+          </p:cNvPr>
+          <p:cNvSpPr>
+            <a:spLocks noGrp="1"/>
+          </p:cNvSpPr>
+          <p:nvPr>
+            <p:ph type="title"/>
+          </p:nvPr>
+        </p:nvSpPr>
+        <p:spPr>
+          <a:xfrm>
+            <a:off x="472273" y="-251209"/>
+            <a:ext cx="10881527" cy="1941897"/>
+          </a:xfrm>
+        </p:spPr>
+        <p:txBody>
+          <a:bodyPr/>
+          <a:lstStyle/>
+          <a:p>
+            <a:r>
+              <a:rPr lang="en-IN" dirty="0"/>
+              <a:t>JIRA Dashboard Output </a:t>
+            </a:r>
+          </a:p>
+        </p:txBody>
+      </p:sp>
+      <p:pic>
+        <p:nvPicPr>
+          <p:cNvPr id="5" name="Picture 4">
+            <a:extLst>
+              <a:ext uri="{FF2B5EF4-FFF2-40B4-BE49-F238E27FC236}">
+                <a16:creationId xmlns:a16="http://schemas.microsoft.com/office/drawing/2014/main" id="{0E096599-1068-F0BF-C12E-057DAD08CCA6}"/>
+              </a:ext>
+            </a:extLst>
+          </p:cNvPr>
+          <p:cNvPicPr>
+            <a:picLocks noChangeAspect="1"/>
+          </p:cNvPicPr>
+          <p:nvPr/>
+        </p:nvPicPr>
+        <p:blipFill>
+          <a:blip r:embed="rId2"/>
+          <a:stretch>
+            <a:fillRect/>
+          </a:stretch>
+        </p:blipFill>
+        <p:spPr>
+          <a:xfrm>
+            <a:off x="612247" y="1376624"/>
+            <a:ext cx="11490830" cy="4858702"/>
+          </a:xfrm>
+          <a:prstGeom prst="rect">
+            <a:avLst/>
+          </a:prstGeom>
+        </p:spPr>
+      </p:pic>
+    </p:spTree>
+    <p:extLst>
+      <p:ext uri="{BB962C8B-B14F-4D97-AF65-F5344CB8AC3E}">
+        <p14:creationId xmlns:p14="http://schemas.microsoft.com/office/powerpoint/2010/main" val="61895206"/>
+      </p:ext>
+    </p:extLst>
+  </p:cSld>
+  <p:clrMapOvr>
+    <a:masterClrMapping/>
+  </p:clrMapOvr>
+</p:sld>
+</file>
+
+<file path=ppt/slides/slide12.xml><?xml version="1.0" encoding="utf-8"?>
+<p:sld xmlns:a="http://schemas.openxmlformats.org/drawingml/2006/main" xmlns:r="http://schemas.openxmlformats.org/officeDocument/2006/relationships" xmlns:p="http://schemas.openxmlformats.org/presentationml/2006/main">
+  <p:cSld>
+    <p:spTree>
+      <p:nvGrpSpPr>
+        <p:cNvPr id="1" name=""/>
+        <p:cNvGrpSpPr/>
+        <p:nvPr/>
+      </p:nvGrpSpPr>
+      <p:grpSpPr>
+        <a:xfrm>
+          <a:off x="0" y="0"/>
+          <a:ext cx="0" cy="0"/>
+          <a:chOff x="0" y="0"/>
+          <a:chExt cx="0" cy="0"/>
+        </a:xfrm>
+      </p:grpSpPr>
+      <p:sp>
+        <p:nvSpPr>
+          <p:cNvPr id="2" name="Title 1">
+            <a:extLst>
+              <a:ext uri="{FF2B5EF4-FFF2-40B4-BE49-F238E27FC236}">
                 <a16:creationId xmlns:a16="http://schemas.microsoft.com/office/drawing/2014/main" id="{AD3F8311-5E70-AACC-C4A6-3169762BC19C}"/>
               </a:ext>
             </a:extLst>
@@ -3604,7 +3827,7 @@
 </p:sld>
 </file>
 
-<file path=ppt/slides/slide11.xml><?xml version="1.0" encoding="utf-8"?>
+<file path=ppt/slides/slide13.xml><?xml version="1.0" encoding="utf-8"?>
 <p:sld xmlns:a="http://schemas.openxmlformats.org/drawingml/2006/main" xmlns:r="http://schemas.openxmlformats.org/officeDocument/2006/relationships" xmlns:p="http://schemas.openxmlformats.org/presentationml/2006/main">
   <p:cSld>
     <p:spTree>
@@ -3986,19 +4209,23 @@
               <a:tabLst/>
             </a:pPr>
             <a:r>
-              <a:rPr kumimoji="0" lang="en-US" altLang="en-US" sz="1800" b="0" i="0" u="none" strike="noStrike" cap="none" normalizeH="0" baseline="0" dirty="0">
-                <a:ln>
-                  <a:noFill/>
-                </a:ln>
-                <a:solidFill>
-                  <a:schemeClr val="tx1"/>
-                </a:solidFill>
-                <a:effectLst/>
+              <a:rPr lang="en-US" altLang="en-US" sz="1800" dirty="0">
                 <a:latin typeface="Times New Roman" panose="02020603050405020304" pitchFamily="18" charset="0"/>
                 <a:cs typeface="Times New Roman" panose="02020603050405020304" pitchFamily="18" charset="0"/>
               </a:rPr>
-              <a:t>Jira</a:t>
-            </a:r>
+              <a:t>HTML Reports</a:t>
+            </a:r>
+            <a:endParaRPr kumimoji="0" lang="en-US" altLang="en-US" sz="1800" b="0" i="0" u="none" strike="noStrike" cap="none" normalizeH="0" baseline="0" dirty="0">
+              <a:ln>
+                <a:noFill/>
+              </a:ln>
+              <a:solidFill>
+                <a:schemeClr val="tx1"/>
+              </a:solidFill>
+              <a:effectLst/>
+              <a:latin typeface="Times New Roman" panose="02020603050405020304" pitchFamily="18" charset="0"/>
+              <a:cs typeface="Times New Roman" panose="02020603050405020304" pitchFamily="18" charset="0"/>
+            </a:endParaRPr>
           </a:p>
           <a:p>
             <a:pPr marR="0" lvl="0" algn="l" defTabSz="914400" rtl="0" eaLnBrk="0" fontAlgn="base" latinLnBrk="0" hangingPunct="0">
@@ -4018,19 +4245,23 @@
               <a:tabLst/>
             </a:pPr>
             <a:r>
-              <a:rPr kumimoji="0" lang="en-US" altLang="en-US" sz="1800" b="0" i="0" u="none" strike="noStrike" cap="none" normalizeH="0" baseline="0" dirty="0">
-                <a:ln>
-                  <a:noFill/>
-                </a:ln>
-                <a:solidFill>
-                  <a:schemeClr val="tx1"/>
-                </a:solidFill>
-                <a:effectLst/>
+              <a:rPr lang="en-US" altLang="en-US" sz="1800" dirty="0">
                 <a:latin typeface="Times New Roman" panose="02020603050405020304" pitchFamily="18" charset="0"/>
                 <a:cs typeface="Times New Roman" panose="02020603050405020304" pitchFamily="18" charset="0"/>
               </a:rPr>
-              <a:t>Outputs</a:t>
-            </a:r>
+              <a:t>JIRA</a:t>
+            </a:r>
+            <a:endParaRPr kumimoji="0" lang="en-US" altLang="en-US" sz="1800" b="0" i="0" u="none" strike="noStrike" cap="none" normalizeH="0" baseline="0" dirty="0">
+              <a:ln>
+                <a:noFill/>
+              </a:ln>
+              <a:solidFill>
+                <a:schemeClr val="tx1"/>
+              </a:solidFill>
+              <a:effectLst/>
+              <a:latin typeface="Times New Roman" panose="02020603050405020304" pitchFamily="18" charset="0"/>
+              <a:cs typeface="Times New Roman" panose="02020603050405020304" pitchFamily="18" charset="0"/>
+            </a:endParaRPr>
           </a:p>
           <a:p>
             <a:pPr marR="0" lvl="0" algn="l" defTabSz="914400" rtl="0" eaLnBrk="0" fontAlgn="base" latinLnBrk="0" hangingPunct="0">
@@ -4050,19 +4281,23 @@
               <a:tabLst/>
             </a:pPr>
             <a:r>
-              <a:rPr kumimoji="0" lang="en-US" altLang="en-US" sz="1800" b="0" i="0" u="none" strike="noStrike" cap="none" normalizeH="0" baseline="0" dirty="0">
-                <a:ln>
-                  <a:noFill/>
-                </a:ln>
-                <a:solidFill>
-                  <a:schemeClr val="tx1"/>
-                </a:solidFill>
-                <a:effectLst/>
+              <a:rPr lang="en-US" altLang="en-US" sz="1800" dirty="0">
                 <a:latin typeface="Times New Roman" panose="02020603050405020304" pitchFamily="18" charset="0"/>
                 <a:cs typeface="Times New Roman" panose="02020603050405020304" pitchFamily="18" charset="0"/>
               </a:rPr>
-              <a:t>Challenges &amp; Solutions</a:t>
-            </a:r>
+              <a:t>Jenkins</a:t>
+            </a:r>
+            <a:endParaRPr kumimoji="0" lang="en-US" altLang="en-US" sz="1800" b="0" i="0" u="none" strike="noStrike" cap="none" normalizeH="0" baseline="0" dirty="0">
+              <a:ln>
+                <a:noFill/>
+              </a:ln>
+              <a:solidFill>
+                <a:schemeClr val="tx1"/>
+              </a:solidFill>
+              <a:effectLst/>
+              <a:latin typeface="Times New Roman" panose="02020603050405020304" pitchFamily="18" charset="0"/>
+              <a:cs typeface="Times New Roman" panose="02020603050405020304" pitchFamily="18" charset="0"/>
+            </a:endParaRPr>
           </a:p>
           <a:p>
             <a:pPr marR="0" lvl="0" algn="l" defTabSz="914400" rtl="0" eaLnBrk="0" fontAlgn="base" latinLnBrk="0" hangingPunct="0">
@@ -6024,7 +6259,13 @@
   <p:cSld>
     <p:spTree>
       <p:nvGrpSpPr>
-        <p:cNvPr id="1" name=""/>
+        <p:cNvPr id="1" name="">
+          <a:extLst>
+            <a:ext uri="{FF2B5EF4-FFF2-40B4-BE49-F238E27FC236}">
+              <a16:creationId xmlns:a16="http://schemas.microsoft.com/office/drawing/2014/main" id="{4D020D3D-442B-1B9E-4ECC-2CEA1E3EEC74}"/>
+            </a:ext>
+          </a:extLst>
+        </p:cNvPr>
         <p:cNvGrpSpPr/>
         <p:nvPr/>
       </p:nvGrpSpPr>
@@ -6041,7 +6282,7 @@
           <p:cNvPr id="2" name="Title 1">
             <a:extLst>
               <a:ext uri="{FF2B5EF4-FFF2-40B4-BE49-F238E27FC236}">
-                <a16:creationId xmlns:a16="http://schemas.microsoft.com/office/drawing/2014/main" id="{80A9DAE7-CD1F-F592-D9BB-536AD2DC0A0B}"/>
+                <a16:creationId xmlns:a16="http://schemas.microsoft.com/office/drawing/2014/main" id="{EDBF00F2-CF08-AB56-45D4-A4D04211B8C9}"/>
               </a:ext>
             </a:extLst>
           </p:cNvPr>
@@ -6052,84 +6293,57 @@
             <p:ph type="title"/>
           </p:nvPr>
         </p:nvSpPr>
-        <p:spPr/>
+        <p:spPr>
+          <a:xfrm>
+            <a:off x="472273" y="-251209"/>
+            <a:ext cx="10881527" cy="1941897"/>
+          </a:xfrm>
+        </p:spPr>
         <p:txBody>
           <a:bodyPr/>
           <a:lstStyle/>
           <a:p>
             <a:r>
               <a:rPr lang="en-IN" dirty="0"/>
-              <a:t>JIRA </a:t>
-            </a:r>
-          </a:p>
-        </p:txBody>
-      </p:sp>
-      <p:sp>
-        <p:nvSpPr>
-          <p:cNvPr id="3" name="Content Placeholder 2">
-            <a:extLst>
-              <a:ext uri="{FF2B5EF4-FFF2-40B4-BE49-F238E27FC236}">
-                <a16:creationId xmlns:a16="http://schemas.microsoft.com/office/drawing/2014/main" id="{7AC4AEB8-73A2-B160-6074-82F1157E30A4}"/>
-              </a:ext>
-            </a:extLst>
-          </p:cNvPr>
-          <p:cNvSpPr>
-            <a:spLocks noGrp="1"/>
-          </p:cNvSpPr>
-          <p:nvPr>
-            <p:ph idx="1"/>
-          </p:nvPr>
-        </p:nvSpPr>
+              <a:t>Cucumber HTML Report</a:t>
+            </a:r>
+          </a:p>
+        </p:txBody>
+      </p:sp>
+      <p:pic>
+        <p:nvPicPr>
+          <p:cNvPr id="7" name="Picture 6">
+            <a:extLst>
+              <a:ext uri="{FF2B5EF4-FFF2-40B4-BE49-F238E27FC236}">
+                <a16:creationId xmlns:a16="http://schemas.microsoft.com/office/drawing/2014/main" id="{B113BE9C-7717-9677-6D62-08807B202CB9}"/>
+              </a:ext>
+            </a:extLst>
+          </p:cNvPr>
+          <p:cNvPicPr>
+            <a:picLocks noChangeAspect="1"/>
+          </p:cNvPicPr>
+          <p:nvPr/>
+        </p:nvPicPr>
+        <p:blipFill>
+          <a:blip r:embed="rId2"/>
+          <a:stretch>
+            <a:fillRect/>
+          </a:stretch>
+        </p:blipFill>
         <p:spPr>
           <a:xfrm>
-            <a:off x="838200" y="1612490"/>
-            <a:ext cx="10515600" cy="4564473"/>
+            <a:off x="472273" y="1081548"/>
+            <a:ext cx="11624805" cy="4274183"/>
           </a:xfrm>
+          <a:prstGeom prst="rect">
+            <a:avLst/>
+          </a:prstGeom>
         </p:spPr>
-        <p:txBody>
-          <a:bodyPr>
-            <a:normAutofit/>
-          </a:bodyPr>
-          <a:lstStyle/>
-          <a:p>
-            <a:pPr marL="0" indent="0">
-              <a:buNone/>
-            </a:pPr>
-            <a:r>
-              <a:rPr lang="en-US" dirty="0"/>
-              <a:t>Test Case Management</a:t>
-            </a:r>
-          </a:p>
-          <a:p>
-            <a:r>
-              <a:rPr lang="en-US" dirty="0"/>
-              <a:t>User Stories: Created for each module with acceptance criteria</a:t>
-            </a:r>
-          </a:p>
-          <a:p>
-            <a:r>
-              <a:rPr lang="en-US" dirty="0"/>
-              <a:t>Test Cases: Linked to JIRA tasks with traceability</a:t>
-            </a:r>
-          </a:p>
-          <a:p>
-            <a:r>
-              <a:rPr lang="en-US" dirty="0"/>
-              <a:t>Bug Reports: Automatic creation with screenshots and logs</a:t>
-            </a:r>
-          </a:p>
-          <a:p>
-            <a:r>
-              <a:rPr lang="en-US" dirty="0"/>
-              <a:t>Requirements: Tracked and managed throughout SDLC</a:t>
-            </a:r>
-          </a:p>
-        </p:txBody>
-      </p:sp>
+      </p:pic>
     </p:spTree>
     <p:extLst>
       <p:ext uri="{BB962C8B-B14F-4D97-AF65-F5344CB8AC3E}">
-        <p14:creationId xmlns:p14="http://schemas.microsoft.com/office/powerpoint/2010/main" val="3849221567"/>
+        <p14:creationId xmlns:p14="http://schemas.microsoft.com/office/powerpoint/2010/main" val="2098833726"/>
       </p:ext>
     </p:extLst>
   </p:cSld>
@@ -6147,7 +6361,7 @@
         <p:cNvPr id="1" name="">
           <a:extLst>
             <a:ext uri="{FF2B5EF4-FFF2-40B4-BE49-F238E27FC236}">
-              <a16:creationId xmlns:a16="http://schemas.microsoft.com/office/drawing/2014/main" id="{27FA6ED4-B093-AD9B-605F-3C6697E6E30A}"/>
+              <a16:creationId xmlns:a16="http://schemas.microsoft.com/office/drawing/2014/main" id="{9A9D2C80-E963-5E65-FB5A-3ED889A67AD0}"/>
             </a:ext>
           </a:extLst>
         </p:cNvPr>
@@ -6167,7 +6381,7 @@
           <p:cNvPr id="2" name="Title 1">
             <a:extLst>
               <a:ext uri="{FF2B5EF4-FFF2-40B4-BE49-F238E27FC236}">
-                <a16:creationId xmlns:a16="http://schemas.microsoft.com/office/drawing/2014/main" id="{98E0AFB4-7E99-66C6-7017-2AEE61D2BCEE}"/>
+                <a16:creationId xmlns:a16="http://schemas.microsoft.com/office/drawing/2014/main" id="{80A592E1-BA2A-53B7-98FC-56627AADB581}"/>
               </a:ext>
             </a:extLst>
           </p:cNvPr>
@@ -6190,17 +6404,17 @@
           <a:p>
             <a:r>
               <a:rPr lang="en-IN" dirty="0"/>
-              <a:t>JIRA Dashboard Output </a:t>
+              <a:t>test-output/index.html Report</a:t>
             </a:r>
           </a:p>
         </p:txBody>
       </p:sp>
       <p:pic>
         <p:nvPicPr>
-          <p:cNvPr id="5" name="Picture 4">
-            <a:extLst>
-              <a:ext uri="{FF2B5EF4-FFF2-40B4-BE49-F238E27FC236}">
-                <a16:creationId xmlns:a16="http://schemas.microsoft.com/office/drawing/2014/main" id="{0E096599-1068-F0BF-C12E-057DAD08CCA6}"/>
+          <p:cNvPr id="9" name="Picture 8">
+            <a:extLst>
+              <a:ext uri="{FF2B5EF4-FFF2-40B4-BE49-F238E27FC236}">
+                <a16:creationId xmlns:a16="http://schemas.microsoft.com/office/drawing/2014/main" id="{83C7B953-DBEF-5D2C-EB97-C5BF1AEB2107}"/>
               </a:ext>
             </a:extLst>
           </p:cNvPr>
@@ -6217,8 +6431,8 @@
         </p:blipFill>
         <p:spPr>
           <a:xfrm>
-            <a:off x="612247" y="1376624"/>
-            <a:ext cx="11490830" cy="4858702"/>
+            <a:off x="472273" y="1180734"/>
+            <a:ext cx="11641394" cy="4864245"/>
           </a:xfrm>
           <a:prstGeom prst="rect">
             <a:avLst/>
@@ -6228,7 +6442,7 @@
     </p:spTree>
     <p:extLst>
       <p:ext uri="{BB962C8B-B14F-4D97-AF65-F5344CB8AC3E}">
-        <p14:creationId xmlns:p14="http://schemas.microsoft.com/office/powerpoint/2010/main" val="61895206"/>
+        <p14:creationId xmlns:p14="http://schemas.microsoft.com/office/powerpoint/2010/main" val="2744410849"/>
       </p:ext>
     </p:extLst>
   </p:cSld>

--- a/PPT.pptx
+++ b/PPT.pptx
@@ -14,10 +14,11 @@
     <p:sldId id="261" r:id="rId8"/>
     <p:sldId id="275" r:id="rId9"/>
     <p:sldId id="274" r:id="rId10"/>
-    <p:sldId id="264" r:id="rId11"/>
-    <p:sldId id="272" r:id="rId12"/>
-    <p:sldId id="265" r:id="rId13"/>
-    <p:sldId id="273" r:id="rId14"/>
+    <p:sldId id="276" r:id="rId11"/>
+    <p:sldId id="264" r:id="rId12"/>
+    <p:sldId id="272" r:id="rId13"/>
+    <p:sldId id="265" r:id="rId14"/>
+    <p:sldId id="273" r:id="rId15"/>
   </p:sldIdLst>
   <p:sldSz cx="12192000" cy="6858000"/>
   <p:notesSz cx="6858000" cy="9144000"/>
@@ -130,6 +131,7 @@
             <p14:sldId id="261"/>
             <p14:sldId id="275"/>
             <p14:sldId id="274"/>
+            <p14:sldId id="276"/>
             <p14:sldId id="264"/>
             <p14:sldId id="272"/>
             <p14:sldId id="265"/>
@@ -3517,6 +3519,105 @@
   <p:cSld>
     <p:spTree>
       <p:nvGrpSpPr>
+        <p:cNvPr id="1" name="">
+          <a:extLst>
+            <a:ext uri="{FF2B5EF4-FFF2-40B4-BE49-F238E27FC236}">
+              <a16:creationId xmlns:a16="http://schemas.microsoft.com/office/drawing/2014/main" id="{53733DBB-54AF-940B-DBBC-FC85EC446159}"/>
+            </a:ext>
+          </a:extLst>
+        </p:cNvPr>
+        <p:cNvGrpSpPr/>
+        <p:nvPr/>
+      </p:nvGrpSpPr>
+      <p:grpSpPr>
+        <a:xfrm>
+          <a:off x="0" y="0"/>
+          <a:ext cx="0" cy="0"/>
+          <a:chOff x="0" y="0"/>
+          <a:chExt cx="0" cy="0"/>
+        </a:xfrm>
+      </p:grpSpPr>
+      <p:sp>
+        <p:nvSpPr>
+          <p:cNvPr id="2" name="Title 1">
+            <a:extLst>
+              <a:ext uri="{FF2B5EF4-FFF2-40B4-BE49-F238E27FC236}">
+                <a16:creationId xmlns:a16="http://schemas.microsoft.com/office/drawing/2014/main" id="{5B20DE83-2713-6133-7C1A-AD07CAB1AAB9}"/>
+              </a:ext>
+            </a:extLst>
+          </p:cNvPr>
+          <p:cNvSpPr>
+            <a:spLocks noGrp="1"/>
+          </p:cNvSpPr>
+          <p:nvPr>
+            <p:ph type="title"/>
+          </p:nvPr>
+        </p:nvSpPr>
+        <p:spPr>
+          <a:xfrm>
+            <a:off x="472273" y="-251209"/>
+            <a:ext cx="10881527" cy="1941897"/>
+          </a:xfrm>
+        </p:spPr>
+        <p:txBody>
+          <a:bodyPr/>
+          <a:lstStyle/>
+          <a:p>
+            <a:r>
+              <a:rPr lang="en-IN" dirty="0"/>
+              <a:t>test-output/index.html Report</a:t>
+            </a:r>
+          </a:p>
+        </p:txBody>
+      </p:sp>
+      <p:pic>
+        <p:nvPicPr>
+          <p:cNvPr id="4" name="Picture 3">
+            <a:extLst>
+              <a:ext uri="{FF2B5EF4-FFF2-40B4-BE49-F238E27FC236}">
+                <a16:creationId xmlns:a16="http://schemas.microsoft.com/office/drawing/2014/main" id="{E4A5ECDE-1501-5681-4C03-9CED74FDB99A}"/>
+              </a:ext>
+            </a:extLst>
+          </p:cNvPr>
+          <p:cNvPicPr>
+            <a:picLocks noChangeAspect="1"/>
+          </p:cNvPicPr>
+          <p:nvPr/>
+        </p:nvPicPr>
+        <p:blipFill>
+          <a:blip r:embed="rId2"/>
+          <a:stretch>
+            <a:fillRect/>
+          </a:stretch>
+        </p:blipFill>
+        <p:spPr>
+          <a:xfrm>
+            <a:off x="560438" y="1128294"/>
+            <a:ext cx="11515542" cy="4601411"/>
+          </a:xfrm>
+          <a:prstGeom prst="rect">
+            <a:avLst/>
+          </a:prstGeom>
+        </p:spPr>
+      </p:pic>
+    </p:spTree>
+    <p:extLst>
+      <p:ext uri="{BB962C8B-B14F-4D97-AF65-F5344CB8AC3E}">
+        <p14:creationId xmlns:p14="http://schemas.microsoft.com/office/powerpoint/2010/main" val="4145505917"/>
+      </p:ext>
+    </p:extLst>
+  </p:cSld>
+  <p:clrMapOvr>
+    <a:masterClrMapping/>
+  </p:clrMapOvr>
+</p:sld>
+</file>
+
+<file path=ppt/slides/slide11.xml><?xml version="1.0" encoding="utf-8"?>
+<p:sld xmlns:a="http://schemas.openxmlformats.org/drawingml/2006/main" xmlns:r="http://schemas.openxmlformats.org/officeDocument/2006/relationships" xmlns:p="http://schemas.openxmlformats.org/presentationml/2006/main">
+  <p:cSld>
+    <p:spTree>
+      <p:nvGrpSpPr>
         <p:cNvPr id="1" name=""/>
         <p:cNvGrpSpPr/>
         <p:nvPr/>
@@ -3632,7 +3733,7 @@
 </p:sld>
 </file>
 
-<file path=ppt/slides/slide11.xml><?xml version="1.0" encoding="utf-8"?>
+<file path=ppt/slides/slide12.xml><?xml version="1.0" encoding="utf-8"?>
 <p:sld xmlns:a="http://schemas.openxmlformats.org/drawingml/2006/main" xmlns:r="http://schemas.openxmlformats.org/officeDocument/2006/relationships" xmlns:p="http://schemas.openxmlformats.org/presentationml/2006/main">
   <p:cSld>
     <p:spTree>
@@ -3731,7 +3832,7 @@
 </p:sld>
 </file>
 
-<file path=ppt/slides/slide12.xml><?xml version="1.0" encoding="utf-8"?>
+<file path=ppt/slides/slide13.xml><?xml version="1.0" encoding="utf-8"?>
 <p:sld xmlns:a="http://schemas.openxmlformats.org/drawingml/2006/main" xmlns:r="http://schemas.openxmlformats.org/officeDocument/2006/relationships" xmlns:p="http://schemas.openxmlformats.org/presentationml/2006/main">
   <p:cSld>
     <p:spTree>
@@ -3827,7 +3928,7 @@
 </p:sld>
 </file>
 
-<file path=ppt/slides/slide13.xml><?xml version="1.0" encoding="utf-8"?>
+<file path=ppt/slides/slide14.xml><?xml version="1.0" encoding="utf-8"?>
 <p:sld xmlns:a="http://schemas.openxmlformats.org/drawingml/2006/main" xmlns:r="http://schemas.openxmlformats.org/officeDocument/2006/relationships" xmlns:p="http://schemas.openxmlformats.org/presentationml/2006/main">
   <p:cSld>
     <p:spTree>
@@ -4213,7 +4314,7 @@
                 <a:latin typeface="Times New Roman" panose="02020603050405020304" pitchFamily="18" charset="0"/>
                 <a:cs typeface="Times New Roman" panose="02020603050405020304" pitchFamily="18" charset="0"/>
               </a:rPr>
-              <a:t>HTML Reports</a:t>
+              <a:t>Cucumber &amp; HTML Reports</a:t>
             </a:r>
             <a:endParaRPr kumimoji="0" lang="en-US" altLang="en-US" sz="1800" b="0" i="0" u="none" strike="noStrike" cap="none" normalizeH="0" baseline="0" dirty="0">
               <a:ln>
@@ -6312,10 +6413,10 @@
       </p:sp>
       <p:pic>
         <p:nvPicPr>
-          <p:cNvPr id="7" name="Picture 6">
-            <a:extLst>
-              <a:ext uri="{FF2B5EF4-FFF2-40B4-BE49-F238E27FC236}">
-                <a16:creationId xmlns:a16="http://schemas.microsoft.com/office/drawing/2014/main" id="{B113BE9C-7717-9677-6D62-08807B202CB9}"/>
+          <p:cNvPr id="4" name="Picture 3">
+            <a:extLst>
+              <a:ext uri="{FF2B5EF4-FFF2-40B4-BE49-F238E27FC236}">
+                <a16:creationId xmlns:a16="http://schemas.microsoft.com/office/drawing/2014/main" id="{E6492204-C174-F0D4-CDA8-69A8203F656E}"/>
               </a:ext>
             </a:extLst>
           </p:cNvPr>
@@ -6332,8 +6433,8 @@
         </p:blipFill>
         <p:spPr>
           <a:xfrm>
-            <a:off x="472273" y="1081548"/>
-            <a:ext cx="11624805" cy="4274183"/>
+            <a:off x="403122" y="1139828"/>
+            <a:ext cx="11460689" cy="3324018"/>
           </a:xfrm>
           <a:prstGeom prst="rect">
             <a:avLst/>
@@ -6404,17 +6505,17 @@
           <a:p>
             <a:r>
               <a:rPr lang="en-IN" dirty="0"/>
-              <a:t>test-output/index.html Report</a:t>
+              <a:t>test-output/emailable-report.html Report</a:t>
             </a:r>
           </a:p>
         </p:txBody>
       </p:sp>
       <p:pic>
         <p:nvPicPr>
-          <p:cNvPr id="9" name="Picture 8">
-            <a:extLst>
-              <a:ext uri="{FF2B5EF4-FFF2-40B4-BE49-F238E27FC236}">
-                <a16:creationId xmlns:a16="http://schemas.microsoft.com/office/drawing/2014/main" id="{83C7B953-DBEF-5D2C-EB97-C5BF1AEB2107}"/>
+          <p:cNvPr id="4" name="Picture 3">
+            <a:extLst>
+              <a:ext uri="{FF2B5EF4-FFF2-40B4-BE49-F238E27FC236}">
+                <a16:creationId xmlns:a16="http://schemas.microsoft.com/office/drawing/2014/main" id="{97F939EB-0726-EF84-8AEE-D107749440D0}"/>
               </a:ext>
             </a:extLst>
           </p:cNvPr>
@@ -6431,8 +6532,8 @@
         </p:blipFill>
         <p:spPr>
           <a:xfrm>
-            <a:off x="472273" y="1180734"/>
-            <a:ext cx="11641394" cy="4864245"/>
+            <a:off x="472273" y="1101212"/>
+            <a:ext cx="11692783" cy="4375355"/>
           </a:xfrm>
           <a:prstGeom prst="rect">
             <a:avLst/>

--- a/PPT.pptx
+++ b/PPT.pptx
@@ -4516,7 +4516,7 @@
         </p:nvSpPr>
         <p:spPr bwMode="auto">
           <a:xfrm>
-            <a:off x="599767" y="1425914"/>
+            <a:off x="599767" y="1347256"/>
             <a:ext cx="11287433" cy="5859553"/>
           </a:xfrm>
           <a:prstGeom prst="rect">

--- a/PPT.pptx
+++ b/PPT.pptx
@@ -4516,8 +4516,8 @@
         </p:nvSpPr>
         <p:spPr bwMode="auto">
           <a:xfrm>
-            <a:off x="599767" y="1347256"/>
-            <a:ext cx="11287433" cy="5859553"/>
+            <a:off x="698090" y="1382186"/>
+            <a:ext cx="11189110" cy="5444054"/>
           </a:xfrm>
           <a:prstGeom prst="rect">
             <a:avLst/>
@@ -4582,7 +4582,7 @@
                 <a:latin typeface="Times New Roman" panose="02020603050405020304" pitchFamily="18" charset="0"/>
                 <a:cs typeface="Times New Roman" panose="02020603050405020304" pitchFamily="18" charset="0"/>
               </a:rPr>
-              <a:t>This capstone project demonstrates a robust, scalable automated testing framework designed for the SauceDemo web application. The framework implements industry best practices including Page Object Model (POM), Behavior-Driven Development (BDD), and comprehensive reporting mechanisms.</a:t>
+              <a:t>This capstone project demonstrates a robust, scalable automated testing framework designed for the SauceDemo web application.</a:t>
             </a:r>
           </a:p>
           <a:p>

--- a/PPT.pptx
+++ b/PPT.pptx
@@ -17,8 +17,8 @@
     <p:sldId id="276" r:id="rId11"/>
     <p:sldId id="264" r:id="rId12"/>
     <p:sldId id="272" r:id="rId13"/>
-    <p:sldId id="265" r:id="rId14"/>
-    <p:sldId id="273" r:id="rId15"/>
+    <p:sldId id="273" r:id="rId14"/>
+    <p:sldId id="265" r:id="rId15"/>
   </p:sldIdLst>
   <p:sldSz cx="12192000" cy="6858000"/>
   <p:notesSz cx="6858000" cy="9144000"/>
@@ -134,8 +134,8 @@
             <p14:sldId id="276"/>
             <p14:sldId id="264"/>
             <p14:sldId id="272"/>
+            <p14:sldId id="273"/>
             <p14:sldId id="265"/>
-            <p14:sldId id="273"/>
           </p14:sldIdLst>
         </p14:section>
       </p14:sectionLst>
@@ -3837,102 +3837,6 @@
   <p:cSld>
     <p:spTree>
       <p:nvGrpSpPr>
-        <p:cNvPr id="1" name=""/>
-        <p:cNvGrpSpPr/>
-        <p:nvPr/>
-      </p:nvGrpSpPr>
-      <p:grpSpPr>
-        <a:xfrm>
-          <a:off x="0" y="0"/>
-          <a:ext cx="0" cy="0"/>
-          <a:chOff x="0" y="0"/>
-          <a:chExt cx="0" cy="0"/>
-        </a:xfrm>
-      </p:grpSpPr>
-      <p:sp>
-        <p:nvSpPr>
-          <p:cNvPr id="2" name="Title 1">
-            <a:extLst>
-              <a:ext uri="{FF2B5EF4-FFF2-40B4-BE49-F238E27FC236}">
-                <a16:creationId xmlns:a16="http://schemas.microsoft.com/office/drawing/2014/main" id="{AD3F8311-5E70-AACC-C4A6-3169762BC19C}"/>
-              </a:ext>
-            </a:extLst>
-          </p:cNvPr>
-          <p:cNvSpPr>
-            <a:spLocks noGrp="1"/>
-          </p:cNvSpPr>
-          <p:nvPr>
-            <p:ph type="title"/>
-          </p:nvPr>
-        </p:nvSpPr>
-        <p:spPr>
-          <a:xfrm>
-            <a:off x="521110" y="176981"/>
-            <a:ext cx="10832690" cy="1513707"/>
-          </a:xfrm>
-        </p:spPr>
-        <p:txBody>
-          <a:bodyPr/>
-          <a:lstStyle/>
-          <a:p>
-            <a:r>
-              <a:rPr lang="en-US" dirty="0"/>
-              <a:t>Jenkins Output</a:t>
-            </a:r>
-            <a:endParaRPr lang="en-IN" dirty="0"/>
-          </a:p>
-        </p:txBody>
-      </p:sp>
-      <p:pic>
-        <p:nvPicPr>
-          <p:cNvPr id="8" name="Content Placeholder 4">
-            <a:extLst>
-              <a:ext uri="{FF2B5EF4-FFF2-40B4-BE49-F238E27FC236}">
-                <a16:creationId xmlns:a16="http://schemas.microsoft.com/office/drawing/2014/main" id="{244521D9-2962-6F9F-FE00-0849C55CC6C6}"/>
-              </a:ext>
-            </a:extLst>
-          </p:cNvPr>
-          <p:cNvPicPr>
-            <a:picLocks noGrp="1" noChangeAspect="1"/>
-          </p:cNvPicPr>
-          <p:nvPr>
-            <p:ph idx="1"/>
-          </p:nvPr>
-        </p:nvPicPr>
-        <p:blipFill>
-          <a:blip r:embed="rId2"/>
-          <a:stretch>
-            <a:fillRect/>
-          </a:stretch>
-        </p:blipFill>
-        <p:spPr>
-          <a:xfrm>
-            <a:off x="520700" y="1425060"/>
-            <a:ext cx="10833100" cy="3712912"/>
-          </a:xfrm>
-          <a:prstGeom prst="rect">
-            <a:avLst/>
-          </a:prstGeom>
-        </p:spPr>
-      </p:pic>
-    </p:spTree>
-    <p:extLst>
-      <p:ext uri="{BB962C8B-B14F-4D97-AF65-F5344CB8AC3E}">
-        <p14:creationId xmlns:p14="http://schemas.microsoft.com/office/powerpoint/2010/main" val="3369470408"/>
-      </p:ext>
-    </p:extLst>
-  </p:cSld>
-  <p:clrMapOvr>
-    <a:masterClrMapping/>
-  </p:clrMapOvr>
-</p:sld>
-</file>
-
-<file path=ppt/slides/slide14.xml><?xml version="1.0" encoding="utf-8"?>
-<p:sld xmlns:a="http://schemas.openxmlformats.org/drawingml/2006/main" xmlns:r="http://schemas.openxmlformats.org/officeDocument/2006/relationships" xmlns:p="http://schemas.openxmlformats.org/presentationml/2006/main">
-  <p:cSld>
-    <p:spTree>
-      <p:nvGrpSpPr>
         <p:cNvPr id="1" name="">
           <a:extLst>
             <a:ext uri="{FF2B5EF4-FFF2-40B4-BE49-F238E27FC236}">
@@ -4019,6 +3923,102 @@
     <p:extLst>
       <p:ext uri="{BB962C8B-B14F-4D97-AF65-F5344CB8AC3E}">
         <p14:creationId xmlns:p14="http://schemas.microsoft.com/office/powerpoint/2010/main" val="1205915023"/>
+      </p:ext>
+    </p:extLst>
+  </p:cSld>
+  <p:clrMapOvr>
+    <a:masterClrMapping/>
+  </p:clrMapOvr>
+</p:sld>
+</file>
+
+<file path=ppt/slides/slide14.xml><?xml version="1.0" encoding="utf-8"?>
+<p:sld xmlns:a="http://schemas.openxmlformats.org/drawingml/2006/main" xmlns:r="http://schemas.openxmlformats.org/officeDocument/2006/relationships" xmlns:p="http://schemas.openxmlformats.org/presentationml/2006/main">
+  <p:cSld>
+    <p:spTree>
+      <p:nvGrpSpPr>
+        <p:cNvPr id="1" name=""/>
+        <p:cNvGrpSpPr/>
+        <p:nvPr/>
+      </p:nvGrpSpPr>
+      <p:grpSpPr>
+        <a:xfrm>
+          <a:off x="0" y="0"/>
+          <a:ext cx="0" cy="0"/>
+          <a:chOff x="0" y="0"/>
+          <a:chExt cx="0" cy="0"/>
+        </a:xfrm>
+      </p:grpSpPr>
+      <p:sp>
+        <p:nvSpPr>
+          <p:cNvPr id="2" name="Title 1">
+            <a:extLst>
+              <a:ext uri="{FF2B5EF4-FFF2-40B4-BE49-F238E27FC236}">
+                <a16:creationId xmlns:a16="http://schemas.microsoft.com/office/drawing/2014/main" id="{AD3F8311-5E70-AACC-C4A6-3169762BC19C}"/>
+              </a:ext>
+            </a:extLst>
+          </p:cNvPr>
+          <p:cNvSpPr>
+            <a:spLocks noGrp="1"/>
+          </p:cNvSpPr>
+          <p:nvPr>
+            <p:ph type="title"/>
+          </p:nvPr>
+        </p:nvSpPr>
+        <p:spPr>
+          <a:xfrm>
+            <a:off x="521110" y="176981"/>
+            <a:ext cx="10832690" cy="1513707"/>
+          </a:xfrm>
+        </p:spPr>
+        <p:txBody>
+          <a:bodyPr/>
+          <a:lstStyle/>
+          <a:p>
+            <a:r>
+              <a:rPr lang="en-US" dirty="0"/>
+              <a:t>Jenkins Output</a:t>
+            </a:r>
+            <a:endParaRPr lang="en-IN" dirty="0"/>
+          </a:p>
+        </p:txBody>
+      </p:sp>
+      <p:pic>
+        <p:nvPicPr>
+          <p:cNvPr id="8" name="Content Placeholder 4">
+            <a:extLst>
+              <a:ext uri="{FF2B5EF4-FFF2-40B4-BE49-F238E27FC236}">
+                <a16:creationId xmlns:a16="http://schemas.microsoft.com/office/drawing/2014/main" id="{244521D9-2962-6F9F-FE00-0849C55CC6C6}"/>
+              </a:ext>
+            </a:extLst>
+          </p:cNvPr>
+          <p:cNvPicPr>
+            <a:picLocks noGrp="1" noChangeAspect="1"/>
+          </p:cNvPicPr>
+          <p:nvPr>
+            <p:ph idx="1"/>
+          </p:nvPr>
+        </p:nvPicPr>
+        <p:blipFill>
+          <a:blip r:embed="rId2"/>
+          <a:stretch>
+            <a:fillRect/>
+          </a:stretch>
+        </p:blipFill>
+        <p:spPr>
+          <a:xfrm>
+            <a:off x="520700" y="1425060"/>
+            <a:ext cx="10833100" cy="3712912"/>
+          </a:xfrm>
+          <a:prstGeom prst="rect">
+            <a:avLst/>
+          </a:prstGeom>
+        </p:spPr>
+      </p:pic>
+    </p:spTree>
+    <p:extLst>
+      <p:ext uri="{BB962C8B-B14F-4D97-AF65-F5344CB8AC3E}">
+        <p14:creationId xmlns:p14="http://schemas.microsoft.com/office/powerpoint/2010/main" val="3369470408"/>
       </p:ext>
     </p:extLst>
   </p:cSld>
@@ -5395,14 +5395,14 @@
             <p:ph idx="1"/>
             <p:extLst>
               <p:ext uri="{D42A27DB-BD31-4B8C-83A1-F6EECF244321}">
-                <p14:modId xmlns:p14="http://schemas.microsoft.com/office/powerpoint/2010/main" val="192038364"/>
+                <p14:modId xmlns:p14="http://schemas.microsoft.com/office/powerpoint/2010/main" val="1420805533"/>
               </p:ext>
             </p:extLst>
           </p:nvPr>
         </p:nvGraphicFramePr>
         <p:xfrm>
           <a:off x="589935" y="1376517"/>
-          <a:ext cx="10078065" cy="4788309"/>
+          <a:ext cx="10078065" cy="4363429"/>
         </p:xfrm>
         <a:graphic>
           <a:graphicData uri="http://schemas.openxmlformats.org/drawingml/2006/table">
@@ -5699,45 +5699,6 @@
                   </a:ext>
                 </a:extLst>
               </a:tr>
-              <a:tr h="424880">
-                <a:tc>
-                  <a:txBody>
-                    <a:bodyPr/>
-                    <a:lstStyle/>
-                    <a:p>
-                      <a:pPr>
-                        <a:buNone/>
-                      </a:pPr>
-                      <a:r>
-                        <a:rPr lang="en-IN"/>
-                        <a:t>Apache POI</a:t>
-                      </a:r>
-                    </a:p>
-                  </a:txBody>
-                  <a:tcPr anchor="ctr"/>
-                </a:tc>
-                <a:tc>
-                  <a:txBody>
-                    <a:bodyPr/>
-                    <a:lstStyle/>
-                    <a:p>
-                      <a:pPr>
-                        <a:buNone/>
-                      </a:pPr>
-                      <a:r>
-                        <a:rPr lang="en-IN"/>
-                        <a:t>Excel Data Handling</a:t>
-                      </a:r>
-                    </a:p>
-                  </a:txBody>
-                  <a:tcPr anchor="ctr"/>
-                </a:tc>
-                <a:extLst>
-                  <a:ext uri="{0D108BD9-81ED-4DB2-BD59-A6C34878D82A}">
-                    <a16:rowId xmlns:a16="http://schemas.microsoft.com/office/drawing/2014/main" val="2395431494"/>
-                  </a:ext>
-                </a:extLst>
-              </a:tr>
               <a:tr h="434996">
                 <a:tc>
                   <a:txBody>
@@ -5748,7 +5709,7 @@
                         <a:buNone/>
                       </a:pPr>
                       <a:r>
-                        <a:rPr lang="en-IN"/>
+                        <a:rPr lang="en-IN" dirty="0"/>
                         <a:t>GitHub</a:t>
                       </a:r>
                     </a:p>
@@ -5764,7 +5725,7 @@
                         <a:buNone/>
                       </a:pPr>
                       <a:r>
-                        <a:rPr lang="en-IN"/>
+                        <a:rPr lang="en-IN" dirty="0"/>
                         <a:t>Version Control</a:t>
                       </a:r>
                     </a:p>

--- a/PPT.pptx
+++ b/PPT.pptx
@@ -3784,7 +3784,7 @@
           <a:p>
             <a:r>
               <a:rPr lang="en-IN" dirty="0"/>
-              <a:t>JIRA Dashboard Output </a:t>
+              <a:t>JIRA Dashboard </a:t>
             </a:r>
           </a:p>
         </p:txBody>

--- a/PPT.pptx
+++ b/PPT.pptx
@@ -17,8 +17,9 @@
     <p:sldId id="276" r:id="rId11"/>
     <p:sldId id="264" r:id="rId12"/>
     <p:sldId id="272" r:id="rId13"/>
-    <p:sldId id="273" r:id="rId14"/>
-    <p:sldId id="265" r:id="rId15"/>
+    <p:sldId id="277" r:id="rId14"/>
+    <p:sldId id="273" r:id="rId15"/>
+    <p:sldId id="265" r:id="rId16"/>
   </p:sldIdLst>
   <p:sldSz cx="12192000" cy="6858000"/>
   <p:notesSz cx="6858000" cy="9144000"/>
@@ -134,6 +135,7 @@
             <p14:sldId id="276"/>
             <p14:sldId id="264"/>
             <p14:sldId id="272"/>
+            <p14:sldId id="277"/>
             <p14:sldId id="273"/>
             <p14:sldId id="265"/>
           </p14:sldIdLst>
@@ -3784,7 +3786,7 @@
           <a:p>
             <a:r>
               <a:rPr lang="en-IN" dirty="0"/>
-              <a:t>JIRA Dashboard </a:t>
+              <a:t>JIRA Backlog Dashboard </a:t>
             </a:r>
           </a:p>
         </p:txBody>
@@ -3840,6 +3842,105 @@
         <p:cNvPr id="1" name="">
           <a:extLst>
             <a:ext uri="{FF2B5EF4-FFF2-40B4-BE49-F238E27FC236}">
+              <a16:creationId xmlns:a16="http://schemas.microsoft.com/office/drawing/2014/main" id="{91F67216-5FA3-916F-D4FF-706598C2D633}"/>
+            </a:ext>
+          </a:extLst>
+        </p:cNvPr>
+        <p:cNvGrpSpPr/>
+        <p:nvPr/>
+      </p:nvGrpSpPr>
+      <p:grpSpPr>
+        <a:xfrm>
+          <a:off x="0" y="0"/>
+          <a:ext cx="0" cy="0"/>
+          <a:chOff x="0" y="0"/>
+          <a:chExt cx="0" cy="0"/>
+        </a:xfrm>
+      </p:grpSpPr>
+      <p:sp>
+        <p:nvSpPr>
+          <p:cNvPr id="2" name="Title 1">
+            <a:extLst>
+              <a:ext uri="{FF2B5EF4-FFF2-40B4-BE49-F238E27FC236}">
+                <a16:creationId xmlns:a16="http://schemas.microsoft.com/office/drawing/2014/main" id="{F1CFC9D5-2410-77D7-B797-57AC0CDE0140}"/>
+              </a:ext>
+            </a:extLst>
+          </p:cNvPr>
+          <p:cNvSpPr>
+            <a:spLocks noGrp="1"/>
+          </p:cNvSpPr>
+          <p:nvPr>
+            <p:ph type="title"/>
+          </p:nvPr>
+        </p:nvSpPr>
+        <p:spPr>
+          <a:xfrm>
+            <a:off x="472273" y="-251209"/>
+            <a:ext cx="10881527" cy="1941897"/>
+          </a:xfrm>
+        </p:spPr>
+        <p:txBody>
+          <a:bodyPr/>
+          <a:lstStyle/>
+          <a:p>
+            <a:r>
+              <a:rPr lang="en-IN" dirty="0"/>
+              <a:t>JIRA Timeline Dashboard </a:t>
+            </a:r>
+          </a:p>
+        </p:txBody>
+      </p:sp>
+      <p:pic>
+        <p:nvPicPr>
+          <p:cNvPr id="4" name="Picture 3">
+            <a:extLst>
+              <a:ext uri="{FF2B5EF4-FFF2-40B4-BE49-F238E27FC236}">
+                <a16:creationId xmlns:a16="http://schemas.microsoft.com/office/drawing/2014/main" id="{C6F08B93-9BEC-8F08-846F-6C0CCCBAD720}"/>
+              </a:ext>
+            </a:extLst>
+          </p:cNvPr>
+          <p:cNvPicPr>
+            <a:picLocks noChangeAspect="1"/>
+          </p:cNvPicPr>
+          <p:nvPr/>
+        </p:nvPicPr>
+        <p:blipFill>
+          <a:blip r:embed="rId2"/>
+          <a:stretch>
+            <a:fillRect/>
+          </a:stretch>
+        </p:blipFill>
+        <p:spPr>
+          <a:xfrm>
+            <a:off x="472273" y="1163347"/>
+            <a:ext cx="11353800" cy="5614386"/>
+          </a:xfrm>
+          <a:prstGeom prst="rect">
+            <a:avLst/>
+          </a:prstGeom>
+        </p:spPr>
+      </p:pic>
+    </p:spTree>
+    <p:extLst>
+      <p:ext uri="{BB962C8B-B14F-4D97-AF65-F5344CB8AC3E}">
+        <p14:creationId xmlns:p14="http://schemas.microsoft.com/office/powerpoint/2010/main" val="2065614301"/>
+      </p:ext>
+    </p:extLst>
+  </p:cSld>
+  <p:clrMapOvr>
+    <a:masterClrMapping/>
+  </p:clrMapOvr>
+</p:sld>
+</file>
+
+<file path=ppt/slides/slide14.xml><?xml version="1.0" encoding="utf-8"?>
+<p:sld xmlns:a="http://schemas.openxmlformats.org/drawingml/2006/main" xmlns:r="http://schemas.openxmlformats.org/officeDocument/2006/relationships" xmlns:p="http://schemas.openxmlformats.org/presentationml/2006/main">
+  <p:cSld>
+    <p:spTree>
+      <p:nvGrpSpPr>
+        <p:cNvPr id="1" name="">
+          <a:extLst>
+            <a:ext uri="{FF2B5EF4-FFF2-40B4-BE49-F238E27FC236}">
               <a16:creationId xmlns:a16="http://schemas.microsoft.com/office/drawing/2014/main" id="{8653CAE9-DE5F-E3E1-F786-D57CAB73CDF5}"/>
             </a:ext>
           </a:extLst>
@@ -3932,7 +4033,7 @@
 </p:sld>
 </file>
 
-<file path=ppt/slides/slide14.xml><?xml version="1.0" encoding="utf-8"?>
+<file path=ppt/slides/slide15.xml><?xml version="1.0" encoding="utf-8"?>
 <p:sld xmlns:a="http://schemas.openxmlformats.org/drawingml/2006/main" xmlns:r="http://schemas.openxmlformats.org/officeDocument/2006/relationships" xmlns:p="http://schemas.openxmlformats.org/presentationml/2006/main">
   <p:cSld>
     <p:spTree>

--- a/PPT.pptx
+++ b/PPT.pptx
@@ -20,6 +20,7 @@
     <p:sldId id="277" r:id="rId14"/>
     <p:sldId id="273" r:id="rId15"/>
     <p:sldId id="265" r:id="rId16"/>
+    <p:sldId id="278" r:id="rId17"/>
   </p:sldIdLst>
   <p:sldSz cx="12192000" cy="6858000"/>
   <p:notesSz cx="6858000" cy="9144000"/>
@@ -138,6 +139,7 @@
             <p14:sldId id="277"/>
             <p14:sldId id="273"/>
             <p14:sldId id="265"/>
+            <p14:sldId id="278"/>
           </p14:sldIdLst>
         </p14:section>
       </p14:sectionLst>
@@ -3912,7 +3914,7 @@
         </p:blipFill>
         <p:spPr>
           <a:xfrm>
-            <a:off x="472273" y="1163347"/>
+            <a:off x="472273" y="1094522"/>
             <a:ext cx="11353800" cy="5614386"/>
           </a:xfrm>
           <a:prstGeom prst="rect">
@@ -3984,7 +3986,7 @@
           <a:p>
             <a:r>
               <a:rPr lang="en-US" dirty="0"/>
-              <a:t>Jenkins Output</a:t>
+              <a:t>Jenkins Dashboard Output</a:t>
             </a:r>
             <a:endParaRPr lang="en-IN" dirty="0"/>
           </a:p>
@@ -4120,6 +4122,131 @@
     <p:extLst>
       <p:ext uri="{BB962C8B-B14F-4D97-AF65-F5344CB8AC3E}">
         <p14:creationId xmlns:p14="http://schemas.microsoft.com/office/powerpoint/2010/main" val="3369470408"/>
+      </p:ext>
+    </p:extLst>
+  </p:cSld>
+  <p:clrMapOvr>
+    <a:masterClrMapping/>
+  </p:clrMapOvr>
+</p:sld>
+</file>
+
+<file path=ppt/slides/slide16.xml><?xml version="1.0" encoding="utf-8"?>
+<p:sld xmlns:a="http://schemas.openxmlformats.org/drawingml/2006/main" xmlns:r="http://schemas.openxmlformats.org/officeDocument/2006/relationships" xmlns:p="http://schemas.openxmlformats.org/presentationml/2006/main">
+  <p:cSld>
+    <p:spTree>
+      <p:nvGrpSpPr>
+        <p:cNvPr id="1" name="">
+          <a:extLst>
+            <a:ext uri="{FF2B5EF4-FFF2-40B4-BE49-F238E27FC236}">
+              <a16:creationId xmlns:a16="http://schemas.microsoft.com/office/drawing/2014/main" id="{BCCC51C9-AA5D-BDF8-3CBC-F57582298F3D}"/>
+            </a:ext>
+          </a:extLst>
+        </p:cNvPr>
+        <p:cNvGrpSpPr/>
+        <p:nvPr/>
+      </p:nvGrpSpPr>
+      <p:grpSpPr>
+        <a:xfrm>
+          <a:off x="0" y="0"/>
+          <a:ext cx="0" cy="0"/>
+          <a:chOff x="0" y="0"/>
+          <a:chExt cx="0" cy="0"/>
+        </a:xfrm>
+      </p:grpSpPr>
+      <p:sp>
+        <p:nvSpPr>
+          <p:cNvPr id="2" name="Title 1">
+            <a:extLst>
+              <a:ext uri="{FF2B5EF4-FFF2-40B4-BE49-F238E27FC236}">
+                <a16:creationId xmlns:a16="http://schemas.microsoft.com/office/drawing/2014/main" id="{647564C8-0332-E2D9-DE3B-A87EA98851E4}"/>
+              </a:ext>
+            </a:extLst>
+          </p:cNvPr>
+          <p:cNvSpPr>
+            <a:spLocks noGrp="1"/>
+          </p:cNvSpPr>
+          <p:nvPr>
+            <p:ph type="title"/>
+          </p:nvPr>
+        </p:nvSpPr>
+        <p:spPr>
+          <a:xfrm>
+            <a:off x="403122" y="-255639"/>
+            <a:ext cx="10950678" cy="1946327"/>
+          </a:xfrm>
+        </p:spPr>
+        <p:txBody>
+          <a:bodyPr/>
+          <a:lstStyle/>
+          <a:p>
+            <a:r>
+              <a:rPr lang="en-US" dirty="0"/>
+              <a:t>Jenkins Console Output</a:t>
+            </a:r>
+            <a:endParaRPr lang="en-IN" dirty="0"/>
+          </a:p>
+        </p:txBody>
+      </p:sp>
+      <p:sp>
+        <p:nvSpPr>
+          <p:cNvPr id="4" name="Content Placeholder 3">
+            <a:extLst>
+              <a:ext uri="{FF2B5EF4-FFF2-40B4-BE49-F238E27FC236}">
+                <a16:creationId xmlns:a16="http://schemas.microsoft.com/office/drawing/2014/main" id="{D273C01A-3950-3293-46F5-8B78772FDE1E}"/>
+              </a:ext>
+            </a:extLst>
+          </p:cNvPr>
+          <p:cNvSpPr>
+            <a:spLocks noGrp="1"/>
+          </p:cNvSpPr>
+          <p:nvPr>
+            <p:ph idx="1"/>
+          </p:nvPr>
+        </p:nvSpPr>
+        <p:spPr/>
+        <p:txBody>
+          <a:bodyPr/>
+          <a:lstStyle/>
+          <a:p>
+            <a:endParaRPr lang="en-IN"/>
+          </a:p>
+        </p:txBody>
+      </p:sp>
+      <p:pic>
+        <p:nvPicPr>
+          <p:cNvPr id="6" name="Picture 5">
+            <a:extLst>
+              <a:ext uri="{FF2B5EF4-FFF2-40B4-BE49-F238E27FC236}">
+                <a16:creationId xmlns:a16="http://schemas.microsoft.com/office/drawing/2014/main" id="{9E740E46-E1E4-C01C-14C0-D2B0923C1795}"/>
+              </a:ext>
+            </a:extLst>
+          </p:cNvPr>
+          <p:cNvPicPr>
+            <a:picLocks noChangeAspect="1"/>
+          </p:cNvPicPr>
+          <p:nvPr/>
+        </p:nvPicPr>
+        <p:blipFill>
+          <a:blip r:embed="rId2"/>
+          <a:stretch>
+            <a:fillRect/>
+          </a:stretch>
+        </p:blipFill>
+        <p:spPr>
+          <a:xfrm>
+            <a:off x="403122" y="1071493"/>
+            <a:ext cx="11543071" cy="5491539"/>
+          </a:xfrm>
+          <a:prstGeom prst="rect">
+            <a:avLst/>
+          </a:prstGeom>
+        </p:spPr>
+      </p:pic>
+    </p:spTree>
+    <p:extLst>
+      <p:ext uri="{BB962C8B-B14F-4D97-AF65-F5344CB8AC3E}">
+        <p14:creationId xmlns:p14="http://schemas.microsoft.com/office/powerpoint/2010/main" val="1230069173"/>
       </p:ext>
     </p:extLst>
   </p:cSld>

--- a/PPT.pptx
+++ b/PPT.pptx
@@ -13,14 +13,15 @@
     <p:sldId id="260" r:id="rId7"/>
     <p:sldId id="261" r:id="rId8"/>
     <p:sldId id="275" r:id="rId9"/>
-    <p:sldId id="274" r:id="rId10"/>
-    <p:sldId id="276" r:id="rId11"/>
-    <p:sldId id="264" r:id="rId12"/>
-    <p:sldId id="272" r:id="rId13"/>
-    <p:sldId id="277" r:id="rId14"/>
-    <p:sldId id="273" r:id="rId15"/>
-    <p:sldId id="265" r:id="rId16"/>
-    <p:sldId id="278" r:id="rId17"/>
+    <p:sldId id="279" r:id="rId10"/>
+    <p:sldId id="274" r:id="rId11"/>
+    <p:sldId id="276" r:id="rId12"/>
+    <p:sldId id="264" r:id="rId13"/>
+    <p:sldId id="272" r:id="rId14"/>
+    <p:sldId id="277" r:id="rId15"/>
+    <p:sldId id="273" r:id="rId16"/>
+    <p:sldId id="265" r:id="rId17"/>
+    <p:sldId id="278" r:id="rId18"/>
   </p:sldIdLst>
   <p:sldSz cx="12192000" cy="6858000"/>
   <p:notesSz cx="6858000" cy="9144000"/>
@@ -132,6 +133,7 @@
             <p14:sldId id="260"/>
             <p14:sldId id="261"/>
             <p14:sldId id="275"/>
+            <p14:sldId id="279"/>
             <p14:sldId id="274"/>
             <p14:sldId id="276"/>
             <p14:sldId id="264"/>
@@ -3526,6 +3528,105 @@
         <p:cNvPr id="1" name="">
           <a:extLst>
             <a:ext uri="{FF2B5EF4-FFF2-40B4-BE49-F238E27FC236}">
+              <a16:creationId xmlns:a16="http://schemas.microsoft.com/office/drawing/2014/main" id="{9A9D2C80-E963-5E65-FB5A-3ED889A67AD0}"/>
+            </a:ext>
+          </a:extLst>
+        </p:cNvPr>
+        <p:cNvGrpSpPr/>
+        <p:nvPr/>
+      </p:nvGrpSpPr>
+      <p:grpSpPr>
+        <a:xfrm>
+          <a:off x="0" y="0"/>
+          <a:ext cx="0" cy="0"/>
+          <a:chOff x="0" y="0"/>
+          <a:chExt cx="0" cy="0"/>
+        </a:xfrm>
+      </p:grpSpPr>
+      <p:sp>
+        <p:nvSpPr>
+          <p:cNvPr id="2" name="Title 1">
+            <a:extLst>
+              <a:ext uri="{FF2B5EF4-FFF2-40B4-BE49-F238E27FC236}">
+                <a16:creationId xmlns:a16="http://schemas.microsoft.com/office/drawing/2014/main" id="{80A592E1-BA2A-53B7-98FC-56627AADB581}"/>
+              </a:ext>
+            </a:extLst>
+          </p:cNvPr>
+          <p:cNvSpPr>
+            <a:spLocks noGrp="1"/>
+          </p:cNvSpPr>
+          <p:nvPr>
+            <p:ph type="title"/>
+          </p:nvPr>
+        </p:nvSpPr>
+        <p:spPr>
+          <a:xfrm>
+            <a:off x="472273" y="-251209"/>
+            <a:ext cx="10881527" cy="1941897"/>
+          </a:xfrm>
+        </p:spPr>
+        <p:txBody>
+          <a:bodyPr/>
+          <a:lstStyle/>
+          <a:p>
+            <a:r>
+              <a:rPr lang="en-IN" dirty="0"/>
+              <a:t>test-output/emailable-report.html Report</a:t>
+            </a:r>
+          </a:p>
+        </p:txBody>
+      </p:sp>
+      <p:pic>
+        <p:nvPicPr>
+          <p:cNvPr id="4" name="Picture 3">
+            <a:extLst>
+              <a:ext uri="{FF2B5EF4-FFF2-40B4-BE49-F238E27FC236}">
+                <a16:creationId xmlns:a16="http://schemas.microsoft.com/office/drawing/2014/main" id="{97F939EB-0726-EF84-8AEE-D107749440D0}"/>
+              </a:ext>
+            </a:extLst>
+          </p:cNvPr>
+          <p:cNvPicPr>
+            <a:picLocks noChangeAspect="1"/>
+          </p:cNvPicPr>
+          <p:nvPr/>
+        </p:nvPicPr>
+        <p:blipFill>
+          <a:blip r:embed="rId2"/>
+          <a:stretch>
+            <a:fillRect/>
+          </a:stretch>
+        </p:blipFill>
+        <p:spPr>
+          <a:xfrm>
+            <a:off x="472273" y="1101212"/>
+            <a:ext cx="11692783" cy="4375355"/>
+          </a:xfrm>
+          <a:prstGeom prst="rect">
+            <a:avLst/>
+          </a:prstGeom>
+        </p:spPr>
+      </p:pic>
+    </p:spTree>
+    <p:extLst>
+      <p:ext uri="{BB962C8B-B14F-4D97-AF65-F5344CB8AC3E}">
+        <p14:creationId xmlns:p14="http://schemas.microsoft.com/office/powerpoint/2010/main" val="2744410849"/>
+      </p:ext>
+    </p:extLst>
+  </p:cSld>
+  <p:clrMapOvr>
+    <a:masterClrMapping/>
+  </p:clrMapOvr>
+</p:sld>
+</file>
+
+<file path=ppt/slides/slide11.xml><?xml version="1.0" encoding="utf-8"?>
+<p:sld xmlns:a="http://schemas.openxmlformats.org/drawingml/2006/main" xmlns:r="http://schemas.openxmlformats.org/officeDocument/2006/relationships" xmlns:p="http://schemas.openxmlformats.org/presentationml/2006/main">
+  <p:cSld>
+    <p:spTree>
+      <p:nvGrpSpPr>
+        <p:cNvPr id="1" name="">
+          <a:extLst>
+            <a:ext uri="{FF2B5EF4-FFF2-40B4-BE49-F238E27FC236}">
               <a16:creationId xmlns:a16="http://schemas.microsoft.com/office/drawing/2014/main" id="{53733DBB-54AF-940B-DBBC-FC85EC446159}"/>
             </a:ext>
           </a:extLst>
@@ -3617,7 +3718,7 @@
 </p:sld>
 </file>
 
-<file path=ppt/slides/slide11.xml><?xml version="1.0" encoding="utf-8"?>
+<file path=ppt/slides/slide12.xml><?xml version="1.0" encoding="utf-8"?>
 <p:sld xmlns:a="http://schemas.openxmlformats.org/drawingml/2006/main" xmlns:r="http://schemas.openxmlformats.org/officeDocument/2006/relationships" xmlns:p="http://schemas.openxmlformats.org/presentationml/2006/main">
   <p:cSld>
     <p:spTree>
@@ -3737,7 +3838,7 @@
 </p:sld>
 </file>
 
-<file path=ppt/slides/slide12.xml><?xml version="1.0" encoding="utf-8"?>
+<file path=ppt/slides/slide13.xml><?xml version="1.0" encoding="utf-8"?>
 <p:sld xmlns:a="http://schemas.openxmlformats.org/drawingml/2006/main" xmlns:r="http://schemas.openxmlformats.org/officeDocument/2006/relationships" xmlns:p="http://schemas.openxmlformats.org/presentationml/2006/main">
   <p:cSld>
     <p:spTree>
@@ -3836,7 +3937,7 @@
 </p:sld>
 </file>
 
-<file path=ppt/slides/slide13.xml><?xml version="1.0" encoding="utf-8"?>
+<file path=ppt/slides/slide14.xml><?xml version="1.0" encoding="utf-8"?>
 <p:sld xmlns:a="http://schemas.openxmlformats.org/drawingml/2006/main" xmlns:r="http://schemas.openxmlformats.org/officeDocument/2006/relationships" xmlns:p="http://schemas.openxmlformats.org/presentationml/2006/main">
   <p:cSld>
     <p:spTree>
@@ -3935,7 +4036,7 @@
 </p:sld>
 </file>
 
-<file path=ppt/slides/slide14.xml><?xml version="1.0" encoding="utf-8"?>
+<file path=ppt/slides/slide15.xml><?xml version="1.0" encoding="utf-8"?>
 <p:sld xmlns:a="http://schemas.openxmlformats.org/drawingml/2006/main" xmlns:r="http://schemas.openxmlformats.org/officeDocument/2006/relationships" xmlns:p="http://schemas.openxmlformats.org/presentationml/2006/main">
   <p:cSld>
     <p:spTree>
@@ -4035,7 +4136,7 @@
 </p:sld>
 </file>
 
-<file path=ppt/slides/slide15.xml><?xml version="1.0" encoding="utf-8"?>
+<file path=ppt/slides/slide16.xml><?xml version="1.0" encoding="utf-8"?>
 <p:sld xmlns:a="http://schemas.openxmlformats.org/drawingml/2006/main" xmlns:r="http://schemas.openxmlformats.org/officeDocument/2006/relationships" xmlns:p="http://schemas.openxmlformats.org/presentationml/2006/main">
   <p:cSld>
     <p:spTree>
@@ -4131,7 +4232,7 @@
 </p:sld>
 </file>
 
-<file path=ppt/slides/slide16.xml><?xml version="1.0" encoding="utf-8"?>
+<file path=ppt/slides/slide17.xml><?xml version="1.0" encoding="utf-8"?>
 <p:sld xmlns:a="http://schemas.openxmlformats.org/drawingml/2006/main" xmlns:r="http://schemas.openxmlformats.org/officeDocument/2006/relationships" xmlns:p="http://schemas.openxmlformats.org/presentationml/2006/main">
   <p:cSld>
     <p:spTree>
@@ -4542,7 +4643,7 @@
                 <a:latin typeface="Times New Roman" panose="02020603050405020304" pitchFamily="18" charset="0"/>
                 <a:cs typeface="Times New Roman" panose="02020603050405020304" pitchFamily="18" charset="0"/>
               </a:rPr>
-              <a:t>Cucumber &amp; HTML Reports</a:t>
+              <a:t>TestNG, Cucumber &amp; HTML Reports</a:t>
             </a:r>
             <a:endParaRPr kumimoji="0" lang="en-US" altLang="en-US" sz="1800" b="0" i="0" u="none" strike="noStrike" cap="none" normalizeH="0" baseline="0" dirty="0">
               <a:ln>
@@ -4616,17 +4717,6 @@
               </a:rPr>
               <a:t>Jenkins</a:t>
             </a:r>
-            <a:endParaRPr kumimoji="0" lang="en-US" altLang="en-US" sz="1800" b="0" i="0" u="none" strike="noStrike" cap="none" normalizeH="0" baseline="0" dirty="0">
-              <a:ln>
-                <a:noFill/>
-              </a:ln>
-              <a:solidFill>
-                <a:schemeClr val="tx1"/>
-              </a:solidFill>
-              <a:effectLst/>
-              <a:latin typeface="Times New Roman" panose="02020603050405020304" pitchFamily="18" charset="0"/>
-              <a:cs typeface="Times New Roman" panose="02020603050405020304" pitchFamily="18" charset="0"/>
-            </a:endParaRPr>
           </a:p>
           <a:p>
             <a:pPr marR="0" lvl="0" algn="l" defTabSz="914400" rtl="0" eaLnBrk="0" fontAlgn="base" latinLnBrk="0" hangingPunct="0">
@@ -4645,20 +4735,17 @@
               <a:buChar char="q"/>
               <a:tabLst/>
             </a:pPr>
-            <a:r>
-              <a:rPr kumimoji="0" lang="en-US" altLang="en-US" sz="1800" b="0" i="0" u="none" strike="noStrike" cap="none" normalizeH="0" baseline="0" dirty="0">
-                <a:ln>
-                  <a:noFill/>
-                </a:ln>
-                <a:solidFill>
-                  <a:schemeClr val="tx1"/>
-                </a:solidFill>
-                <a:effectLst/>
-                <a:latin typeface="Times New Roman" panose="02020603050405020304" pitchFamily="18" charset="0"/>
-                <a:cs typeface="Times New Roman" panose="02020603050405020304" pitchFamily="18" charset="0"/>
-              </a:rPr>
-              <a:t>Conclusion</a:t>
-            </a:r>
+            <a:endParaRPr kumimoji="0" lang="en-US" altLang="en-US" sz="1800" b="0" i="0" u="none" strike="noStrike" cap="none" normalizeH="0" baseline="0" dirty="0">
+              <a:ln>
+                <a:noFill/>
+              </a:ln>
+              <a:solidFill>
+                <a:schemeClr val="tx1"/>
+              </a:solidFill>
+              <a:effectLst/>
+              <a:latin typeface="Times New Roman" panose="02020603050405020304" pitchFamily="18" charset="0"/>
+              <a:cs typeface="Times New Roman" panose="02020603050405020304" pitchFamily="18" charset="0"/>
+            </a:endParaRPr>
           </a:p>
         </p:txBody>
       </p:sp>
@@ -6595,17 +6682,17 @@
           <a:p>
             <a:r>
               <a:rPr lang="en-IN" dirty="0"/>
-              <a:t>Cucumber HTML Report</a:t>
+              <a:t>TestNG Output from Eclipse</a:t>
             </a:r>
           </a:p>
         </p:txBody>
       </p:sp>
       <p:pic>
         <p:nvPicPr>
-          <p:cNvPr id="4" name="Picture 3">
-            <a:extLst>
-              <a:ext uri="{FF2B5EF4-FFF2-40B4-BE49-F238E27FC236}">
-                <a16:creationId xmlns:a16="http://schemas.microsoft.com/office/drawing/2014/main" id="{E6492204-C174-F0D4-CDA8-69A8203F656E}"/>
+          <p:cNvPr id="5" name="Picture 4">
+            <a:extLst>
+              <a:ext uri="{FF2B5EF4-FFF2-40B4-BE49-F238E27FC236}">
+                <a16:creationId xmlns:a16="http://schemas.microsoft.com/office/drawing/2014/main" id="{D9282C6D-07EC-EBE4-A0AD-692A6FE6B4D7}"/>
               </a:ext>
             </a:extLst>
           </p:cNvPr>
@@ -6622,8 +6709,8 @@
         </p:blipFill>
         <p:spPr>
           <a:xfrm>
-            <a:off x="403122" y="1139828"/>
-            <a:ext cx="11460689" cy="3324018"/>
+            <a:off x="579627" y="1132623"/>
+            <a:ext cx="11284402" cy="4176796"/>
           </a:xfrm>
           <a:prstGeom prst="rect">
             <a:avLst/>
@@ -6651,7 +6738,7 @@
         <p:cNvPr id="1" name="">
           <a:extLst>
             <a:ext uri="{FF2B5EF4-FFF2-40B4-BE49-F238E27FC236}">
-              <a16:creationId xmlns:a16="http://schemas.microsoft.com/office/drawing/2014/main" id="{9A9D2C80-E963-5E65-FB5A-3ED889A67AD0}"/>
+              <a16:creationId xmlns:a16="http://schemas.microsoft.com/office/drawing/2014/main" id="{8B3CB739-BD1D-6EE6-C06B-9D70CAE3871A}"/>
             </a:ext>
           </a:extLst>
         </p:cNvPr>
@@ -6671,7 +6758,7 @@
           <p:cNvPr id="2" name="Title 1">
             <a:extLst>
               <a:ext uri="{FF2B5EF4-FFF2-40B4-BE49-F238E27FC236}">
-                <a16:creationId xmlns:a16="http://schemas.microsoft.com/office/drawing/2014/main" id="{80A592E1-BA2A-53B7-98FC-56627AADB581}"/>
+                <a16:creationId xmlns:a16="http://schemas.microsoft.com/office/drawing/2014/main" id="{0D25F658-2DDE-E1EC-5F42-CA5E6F4625E5}"/>
               </a:ext>
             </a:extLst>
           </p:cNvPr>
@@ -6694,7 +6781,7 @@
           <a:p>
             <a:r>
               <a:rPr lang="en-IN" dirty="0"/>
-              <a:t>test-output/emailable-report.html Report</a:t>
+              <a:t>Cucumber HTML Report</a:t>
             </a:r>
           </a:p>
         </p:txBody>
@@ -6704,7 +6791,7 @@
           <p:cNvPr id="4" name="Picture 3">
             <a:extLst>
               <a:ext uri="{FF2B5EF4-FFF2-40B4-BE49-F238E27FC236}">
-                <a16:creationId xmlns:a16="http://schemas.microsoft.com/office/drawing/2014/main" id="{97F939EB-0726-EF84-8AEE-D107749440D0}"/>
+                <a16:creationId xmlns:a16="http://schemas.microsoft.com/office/drawing/2014/main" id="{17C74FB2-4718-3229-9D21-399A041427A9}"/>
               </a:ext>
             </a:extLst>
           </p:cNvPr>
@@ -6721,8 +6808,8 @@
         </p:blipFill>
         <p:spPr>
           <a:xfrm>
-            <a:off x="472273" y="1101212"/>
-            <a:ext cx="11692783" cy="4375355"/>
+            <a:off x="403122" y="1139828"/>
+            <a:ext cx="11460689" cy="3324018"/>
           </a:xfrm>
           <a:prstGeom prst="rect">
             <a:avLst/>
@@ -6732,7 +6819,7 @@
     </p:spTree>
     <p:extLst>
       <p:ext uri="{BB962C8B-B14F-4D97-AF65-F5344CB8AC3E}">
-        <p14:creationId xmlns:p14="http://schemas.microsoft.com/office/powerpoint/2010/main" val="2744410849"/>
+        <p14:creationId xmlns:p14="http://schemas.microsoft.com/office/powerpoint/2010/main" val="4019806768"/>
       </p:ext>
     </p:extLst>
   </p:cSld>
